--- a/3.6.1 - 3.9.1.pptx
+++ b/3.6.1 - 3.9.1.pptx
@@ -8,6 +8,7 @@
     <p:sldId id="258" r:id="rId2"/>
     <p:sldId id="260" r:id="rId3"/>
     <p:sldId id="259" r:id="rId4"/>
+    <p:sldId id="261" r:id="rId5"/>
   </p:sldIdLst>
   <p:sldSz cx="9144000" cy="6858000" type="screen4x3"/>
   <p:notesSz cx="6858000" cy="9144000"/>
@@ -290,7 +291,7 @@
           <a:p>
             <a:fld id="{D84E777F-3C8B-4A99-B716-A54BFB81EE1D}" type="datetimeFigureOut">
               <a:rPr lang="en-GB" smtClean="0"/>
-              <a:t>16/11/2019</a:t>
+              <a:t>17/11/2019</a:t>
             </a:fld>
             <a:endParaRPr lang="en-GB"/>
           </a:p>
@@ -460,7 +461,7 @@
           <a:p>
             <a:fld id="{D84E777F-3C8B-4A99-B716-A54BFB81EE1D}" type="datetimeFigureOut">
               <a:rPr lang="en-GB" smtClean="0"/>
-              <a:t>16/11/2019</a:t>
+              <a:t>17/11/2019</a:t>
             </a:fld>
             <a:endParaRPr lang="en-GB"/>
           </a:p>
@@ -640,7 +641,7 @@
           <a:p>
             <a:fld id="{D84E777F-3C8B-4A99-B716-A54BFB81EE1D}" type="datetimeFigureOut">
               <a:rPr lang="en-GB" smtClean="0"/>
-              <a:t>16/11/2019</a:t>
+              <a:t>17/11/2019</a:t>
             </a:fld>
             <a:endParaRPr lang="en-GB"/>
           </a:p>
@@ -810,7 +811,7 @@
           <a:p>
             <a:fld id="{D84E777F-3C8B-4A99-B716-A54BFB81EE1D}" type="datetimeFigureOut">
               <a:rPr lang="en-GB" smtClean="0"/>
-              <a:t>16/11/2019</a:t>
+              <a:t>17/11/2019</a:t>
             </a:fld>
             <a:endParaRPr lang="en-GB"/>
           </a:p>
@@ -1056,7 +1057,7 @@
           <a:p>
             <a:fld id="{D84E777F-3C8B-4A99-B716-A54BFB81EE1D}" type="datetimeFigureOut">
               <a:rPr lang="en-GB" smtClean="0"/>
-              <a:t>16/11/2019</a:t>
+              <a:t>17/11/2019</a:t>
             </a:fld>
             <a:endParaRPr lang="en-GB"/>
           </a:p>
@@ -1344,7 +1345,7 @@
           <a:p>
             <a:fld id="{D84E777F-3C8B-4A99-B716-A54BFB81EE1D}" type="datetimeFigureOut">
               <a:rPr lang="en-GB" smtClean="0"/>
-              <a:t>16/11/2019</a:t>
+              <a:t>17/11/2019</a:t>
             </a:fld>
             <a:endParaRPr lang="en-GB"/>
           </a:p>
@@ -1766,7 +1767,7 @@
           <a:p>
             <a:fld id="{D84E777F-3C8B-4A99-B716-A54BFB81EE1D}" type="datetimeFigureOut">
               <a:rPr lang="en-GB" smtClean="0"/>
-              <a:t>16/11/2019</a:t>
+              <a:t>17/11/2019</a:t>
             </a:fld>
             <a:endParaRPr lang="en-GB"/>
           </a:p>
@@ -1884,7 +1885,7 @@
           <a:p>
             <a:fld id="{D84E777F-3C8B-4A99-B716-A54BFB81EE1D}" type="datetimeFigureOut">
               <a:rPr lang="en-GB" smtClean="0"/>
-              <a:t>16/11/2019</a:t>
+              <a:t>17/11/2019</a:t>
             </a:fld>
             <a:endParaRPr lang="en-GB"/>
           </a:p>
@@ -1979,7 +1980,7 @@
           <a:p>
             <a:fld id="{D84E777F-3C8B-4A99-B716-A54BFB81EE1D}" type="datetimeFigureOut">
               <a:rPr lang="en-GB" smtClean="0"/>
-              <a:t>16/11/2019</a:t>
+              <a:t>17/11/2019</a:t>
             </a:fld>
             <a:endParaRPr lang="en-GB"/>
           </a:p>
@@ -2256,7 +2257,7 @@
           <a:p>
             <a:fld id="{D84E777F-3C8B-4A99-B716-A54BFB81EE1D}" type="datetimeFigureOut">
               <a:rPr lang="en-GB" smtClean="0"/>
-              <a:t>16/11/2019</a:t>
+              <a:t>17/11/2019</a:t>
             </a:fld>
             <a:endParaRPr lang="en-GB"/>
           </a:p>
@@ -2509,7 +2510,7 @@
           <a:p>
             <a:fld id="{D84E777F-3C8B-4A99-B716-A54BFB81EE1D}" type="datetimeFigureOut">
               <a:rPr lang="en-GB" smtClean="0"/>
-              <a:t>16/11/2019</a:t>
+              <a:t>17/11/2019</a:t>
             </a:fld>
             <a:endParaRPr lang="en-GB"/>
           </a:p>
@@ -2722,7 +2723,7 @@
           <a:p>
             <a:fld id="{D84E777F-3C8B-4A99-B716-A54BFB81EE1D}" type="datetimeFigureOut">
               <a:rPr lang="en-GB" smtClean="0"/>
-              <a:t>16/11/2019</a:t>
+              <a:t>17/11/2019</a:t>
             </a:fld>
             <a:endParaRPr lang="en-GB"/>
           </a:p>
@@ -3132,8 +3133,8 @@
         </p:nvSpPr>
         <p:spPr>
           <a:xfrm>
-            <a:off x="457200" y="1600200"/>
-            <a:ext cx="8229600" cy="5069160"/>
+            <a:off x="457200" y="1268760"/>
+            <a:ext cx="8229600" cy="5400600"/>
           </a:xfrm>
         </p:spPr>
         <p:txBody>
@@ -3438,6 +3439,214 @@
     <p:extLst>
       <p:ext uri="{BB962C8B-B14F-4D97-AF65-F5344CB8AC3E}">
         <p14:creationId xmlns:p14="http://schemas.microsoft.com/office/powerpoint/2010/main" val="365613005"/>
+      </p:ext>
+    </p:extLst>
+  </p:cSld>
+  <p:clrMapOvr>
+    <a:masterClrMapping/>
+  </p:clrMapOvr>
+</p:sld>
+</file>
+
+<file path=ppt/slides/slide4.xml><?xml version="1.0" encoding="utf-8"?>
+<p:sld xmlns:a="http://schemas.openxmlformats.org/drawingml/2006/main" xmlns:r="http://schemas.openxmlformats.org/officeDocument/2006/relationships" xmlns:p="http://schemas.openxmlformats.org/presentationml/2006/main">
+  <p:cSld>
+    <p:spTree>
+      <p:nvGrpSpPr>
+        <p:cNvPr id="1" name=""/>
+        <p:cNvGrpSpPr/>
+        <p:nvPr/>
+      </p:nvGrpSpPr>
+      <p:grpSpPr>
+        <a:xfrm>
+          <a:off x="0" y="0"/>
+          <a:ext cx="0" cy="0"/>
+          <a:chOff x="0" y="0"/>
+          <a:chExt cx="0" cy="0"/>
+        </a:xfrm>
+      </p:grpSpPr>
+      <p:sp>
+        <p:nvSpPr>
+          <p:cNvPr id="2" name="Title 1"/>
+          <p:cNvSpPr>
+            <a:spLocks noGrp="1"/>
+          </p:cNvSpPr>
+          <p:nvPr>
+            <p:ph type="title"/>
+          </p:nvPr>
+        </p:nvSpPr>
+        <p:spPr>
+          <a:xfrm>
+            <a:off x="457200" y="274638"/>
+            <a:ext cx="7715200" cy="202034"/>
+          </a:xfrm>
+        </p:spPr>
+        <p:txBody>
+          <a:bodyPr>
+            <a:normAutofit fontScale="90000"/>
+          </a:bodyPr>
+          <a:lstStyle/>
+          <a:p>
+            <a:r>
+              <a:rPr lang="en-GB" dirty="0" smtClean="0"/>
+              <a:t>Exercise 3.7.1</a:t>
+            </a:r>
+            <a:endParaRPr lang="en-GB" dirty="0"/>
+          </a:p>
+        </p:txBody>
+      </p:sp>
+      <p:sp>
+        <p:nvSpPr>
+          <p:cNvPr id="3" name="Content Placeholder 2"/>
+          <p:cNvSpPr>
+            <a:spLocks noGrp="1"/>
+          </p:cNvSpPr>
+          <p:nvPr>
+            <p:ph idx="1"/>
+          </p:nvPr>
+        </p:nvSpPr>
+        <p:spPr>
+          <a:xfrm>
+            <a:off x="467544" y="548680"/>
+            <a:ext cx="8229600" cy="6120680"/>
+          </a:xfrm>
+        </p:spPr>
+        <p:txBody>
+          <a:bodyPr>
+            <a:normAutofit/>
+          </a:bodyPr>
+          <a:lstStyle/>
+          <a:p>
+            <a:pPr marL="0" indent="0">
+              <a:buNone/>
+            </a:pPr>
+            <a:r>
+              <a:rPr lang="en-GB" sz="1600" dirty="0" smtClean="0"/>
+              <a:t>The default geo5m for stat summary is geom_pointrange () with an inclusion of stat = “summary”.</a:t>
+            </a:r>
+          </a:p>
+          <a:p>
+            <a:pPr marL="0" indent="0">
+              <a:buNone/>
+            </a:pPr>
+            <a:r>
+              <a:rPr lang="en-GB" sz="1600" dirty="0" smtClean="0"/>
+              <a:t>The default geom_col () is stat_identity() which leaves data as it is no manipulation, while default geom_bar() is stat_bin() which manipulates the input data by counting the number of observations for each value of x. The y aesthetic uses the values of these counts.</a:t>
+            </a:r>
+          </a:p>
+          <a:p>
+            <a:pPr marL="0" indent="0">
+              <a:buNone/>
+            </a:pPr>
+            <a:r>
+              <a:rPr lang="en-GB" sz="1600" dirty="0" smtClean="0"/>
+              <a:t>They tend to have their names in common, stat_smooth() and geom_smooth() . However for others its not the same.</a:t>
+            </a:r>
+          </a:p>
+          <a:p>
+            <a:pPr marL="0" indent="0">
+              <a:buNone/>
+            </a:pPr>
+            <a:r>
+              <a:rPr lang="en-GB" sz="1600" dirty="0" smtClean="0"/>
+              <a:t>The function stat_smooth() calculates the following variables:</a:t>
+            </a:r>
+          </a:p>
+          <a:p>
+            <a:r>
+              <a:rPr lang="en-GB" sz="1600" dirty="0"/>
+              <a:t> </a:t>
+            </a:r>
+            <a:r>
+              <a:rPr lang="en-GB" sz="1600" dirty="0" smtClean="0"/>
+              <a:t>y : predicated value</a:t>
+            </a:r>
+          </a:p>
+          <a:p>
+            <a:r>
+              <a:rPr lang="en-GB" sz="1600" dirty="0" smtClean="0"/>
+              <a:t>Ymin : lower value of confidience interval </a:t>
+            </a:r>
+          </a:p>
+          <a:p>
+            <a:r>
+              <a:rPr lang="en-GB" sz="1600" dirty="0" smtClean="0"/>
+              <a:t>Ymax: upper value of confidence interval</a:t>
+            </a:r>
+          </a:p>
+          <a:p>
+            <a:r>
+              <a:rPr lang="en-GB" sz="1600" dirty="0" smtClean="0"/>
+              <a:t>se : standard error</a:t>
+            </a:r>
+          </a:p>
+          <a:p>
+            <a:pPr marL="0" indent="0">
+              <a:buNone/>
+            </a:pPr>
+            <a:r>
+              <a:rPr lang="en-GB" sz="1600" dirty="0" smtClean="0"/>
+              <a:t>The “computed variables” section of the stat_smooth() documentation contains these variables.</a:t>
+            </a:r>
+          </a:p>
+          <a:p>
+            <a:pPr marL="0" indent="0">
+              <a:buNone/>
+            </a:pPr>
+            <a:r>
+              <a:rPr lang="en-GB" sz="1600" dirty="0" smtClean="0"/>
+              <a:t>The parameters that control the behaviour of the stat_smooth ( ) include </a:t>
+            </a:r>
+          </a:p>
+          <a:p>
+            <a:pPr>
+              <a:buFont typeface="+mj-lt"/>
+              <a:buAutoNum type="arabicPeriod"/>
+            </a:pPr>
+            <a:r>
+              <a:rPr lang="en-GB" sz="1600" dirty="0"/>
+              <a:t> </a:t>
+            </a:r>
+            <a:r>
+              <a:rPr lang="en-GB" sz="1600" dirty="0" smtClean="0"/>
+              <a:t>     method: the method used to </a:t>
+            </a:r>
+          </a:p>
+          <a:p>
+            <a:pPr>
+              <a:buFont typeface="+mj-lt"/>
+              <a:buAutoNum type="arabicPeriod"/>
+            </a:pPr>
+            <a:r>
+              <a:rPr lang="en-GB" sz="1600" dirty="0" smtClean="0"/>
+              <a:t>     Formula: the formula are parameters such as method which determines which method is used to calculate the predictions and confidence interval and some other arguments that are passed to that </a:t>
+            </a:r>
+          </a:p>
+          <a:p>
+            <a:pPr>
+              <a:buFont typeface="+mj-lt"/>
+              <a:buAutoNum type="arabicPeriod"/>
+            </a:pPr>
+            <a:r>
+              <a:rPr lang="en-GB" sz="1600" dirty="0" smtClean="0"/>
+              <a:t>na.rm:</a:t>
+            </a:r>
+          </a:p>
+          <a:p>
+            <a:pPr marL="0" indent="0">
+              <a:buNone/>
+            </a:pPr>
+            <a:r>
+              <a:rPr lang="en-GB" sz="1600" dirty="0" smtClean="0"/>
+              <a:t>If group = 1 is not included, then all the bars in the plot will have the same height, a height  of 1. The function geom_bar() assumes that the groups are equal to the x values since the stat computes the counts within the group.</a:t>
+            </a:r>
+          </a:p>
+        </p:txBody>
+      </p:sp>
+    </p:spTree>
+    <p:extLst>
+      <p:ext uri="{BB962C8B-B14F-4D97-AF65-F5344CB8AC3E}">
+        <p14:creationId xmlns:p14="http://schemas.microsoft.com/office/powerpoint/2010/main" val="1619678824"/>
       </p:ext>
     </p:extLst>
   </p:cSld>
